--- a/Tensorflow&Pytorch_GPU_Setup_20250319.pptx
+++ b/Tensorflow&Pytorch_GPU_Setup_20250319.pptx
@@ -8,9 +8,10 @@
     <p:sldId id="265" r:id="rId2"/>
     <p:sldId id="256" r:id="rId3"/>
     <p:sldId id="257" r:id="rId4"/>
-    <p:sldId id="258" r:id="rId5"/>
-    <p:sldId id="261" r:id="rId6"/>
-    <p:sldId id="262" r:id="rId7"/>
+    <p:sldId id="266" r:id="rId5"/>
+    <p:sldId id="258" r:id="rId6"/>
+    <p:sldId id="261" r:id="rId7"/>
+    <p:sldId id="262" r:id="rId8"/>
   </p:sldIdLst>
   <p:sldSz cx="12192000" cy="6858000"/>
   <p:notesSz cx="6858000" cy="9144000"/>
@@ -264,7 +265,7 @@
           <a:p>
             <a:fld id="{05933C76-D83C-41D1-94E7-61C49C98AAF1}" type="datetimeFigureOut">
               <a:rPr lang="ko-KR" altLang="en-US" smtClean="0"/>
-              <a:t>2025-03-19(Wed)</a:t>
+              <a:t>2025-03-22</a:t>
             </a:fld>
             <a:endParaRPr lang="ko-KR" altLang="en-US"/>
           </a:p>
@@ -462,7 +463,7 @@
           <a:p>
             <a:fld id="{05933C76-D83C-41D1-94E7-61C49C98AAF1}" type="datetimeFigureOut">
               <a:rPr lang="ko-KR" altLang="en-US" smtClean="0"/>
-              <a:t>2025-03-19(Wed)</a:t>
+              <a:t>2025-03-22</a:t>
             </a:fld>
             <a:endParaRPr lang="ko-KR" altLang="en-US"/>
           </a:p>
@@ -670,7 +671,7 @@
           <a:p>
             <a:fld id="{05933C76-D83C-41D1-94E7-61C49C98AAF1}" type="datetimeFigureOut">
               <a:rPr lang="ko-KR" altLang="en-US" smtClean="0"/>
-              <a:t>2025-03-19(Wed)</a:t>
+              <a:t>2025-03-22</a:t>
             </a:fld>
             <a:endParaRPr lang="ko-KR" altLang="en-US"/>
           </a:p>
@@ -868,7 +869,7 @@
           <a:p>
             <a:fld id="{05933C76-D83C-41D1-94E7-61C49C98AAF1}" type="datetimeFigureOut">
               <a:rPr lang="ko-KR" altLang="en-US" smtClean="0"/>
-              <a:t>2025-03-19(Wed)</a:t>
+              <a:t>2025-03-22</a:t>
             </a:fld>
             <a:endParaRPr lang="ko-KR" altLang="en-US"/>
           </a:p>
@@ -1143,7 +1144,7 @@
           <a:p>
             <a:fld id="{05933C76-D83C-41D1-94E7-61C49C98AAF1}" type="datetimeFigureOut">
               <a:rPr lang="ko-KR" altLang="en-US" smtClean="0"/>
-              <a:t>2025-03-19(Wed)</a:t>
+              <a:t>2025-03-22</a:t>
             </a:fld>
             <a:endParaRPr lang="ko-KR" altLang="en-US"/>
           </a:p>
@@ -1408,7 +1409,7 @@
           <a:p>
             <a:fld id="{05933C76-D83C-41D1-94E7-61C49C98AAF1}" type="datetimeFigureOut">
               <a:rPr lang="ko-KR" altLang="en-US" smtClean="0"/>
-              <a:t>2025-03-19(Wed)</a:t>
+              <a:t>2025-03-22</a:t>
             </a:fld>
             <a:endParaRPr lang="ko-KR" altLang="en-US"/>
           </a:p>
@@ -1820,7 +1821,7 @@
           <a:p>
             <a:fld id="{05933C76-D83C-41D1-94E7-61C49C98AAF1}" type="datetimeFigureOut">
               <a:rPr lang="ko-KR" altLang="en-US" smtClean="0"/>
-              <a:t>2025-03-19(Wed)</a:t>
+              <a:t>2025-03-22</a:t>
             </a:fld>
             <a:endParaRPr lang="ko-KR" altLang="en-US"/>
           </a:p>
@@ -1961,7 +1962,7 @@
           <a:p>
             <a:fld id="{05933C76-D83C-41D1-94E7-61C49C98AAF1}" type="datetimeFigureOut">
               <a:rPr lang="ko-KR" altLang="en-US" smtClean="0"/>
-              <a:t>2025-03-19(Wed)</a:t>
+              <a:t>2025-03-22</a:t>
             </a:fld>
             <a:endParaRPr lang="ko-KR" altLang="en-US"/>
           </a:p>
@@ -2074,7 +2075,7 @@
           <a:p>
             <a:fld id="{05933C76-D83C-41D1-94E7-61C49C98AAF1}" type="datetimeFigureOut">
               <a:rPr lang="ko-KR" altLang="en-US" smtClean="0"/>
-              <a:t>2025-03-19(Wed)</a:t>
+              <a:t>2025-03-22</a:t>
             </a:fld>
             <a:endParaRPr lang="ko-KR" altLang="en-US"/>
           </a:p>
@@ -2385,7 +2386,7 @@
           <a:p>
             <a:fld id="{05933C76-D83C-41D1-94E7-61C49C98AAF1}" type="datetimeFigureOut">
               <a:rPr lang="ko-KR" altLang="en-US" smtClean="0"/>
-              <a:t>2025-03-19(Wed)</a:t>
+              <a:t>2025-03-22</a:t>
             </a:fld>
             <a:endParaRPr lang="ko-KR" altLang="en-US"/>
           </a:p>
@@ -2673,7 +2674,7 @@
           <a:p>
             <a:fld id="{05933C76-D83C-41D1-94E7-61C49C98AAF1}" type="datetimeFigureOut">
               <a:rPr lang="ko-KR" altLang="en-US" smtClean="0"/>
-              <a:t>2025-03-19(Wed)</a:t>
+              <a:t>2025-03-22</a:t>
             </a:fld>
             <a:endParaRPr lang="ko-KR" altLang="en-US"/>
           </a:p>
@@ -2914,7 +2915,7 @@
           <a:p>
             <a:fld id="{05933C76-D83C-41D1-94E7-61C49C98AAF1}" type="datetimeFigureOut">
               <a:rPr lang="ko-KR" altLang="en-US" smtClean="0"/>
-              <a:t>2025-03-19(Wed)</a:t>
+              <a:t>2025-03-22</a:t>
             </a:fld>
             <a:endParaRPr lang="ko-KR" altLang="en-US"/>
           </a:p>
@@ -3381,7 +3382,9 @@
         </p:nvSpPr>
         <p:spPr/>
         <p:txBody>
-          <a:bodyPr/>
+          <a:bodyPr>
+            <a:normAutofit lnSpcReduction="10000"/>
+          </a:bodyPr>
           <a:lstStyle/>
           <a:p>
             <a:pPr marL="514350" indent="-514350">
@@ -3442,8 +3445,21 @@
               <a:buAutoNum type="arabicPeriod"/>
             </a:pPr>
             <a:r>
+              <a:rPr lang="en-US" altLang="ko-KR" dirty="0">
+                <a:hlinkClick r:id="rId2"/>
+              </a:rPr>
+              <a:t>https://en.wikipedia.org/wiki/CUDA#GPUs_supported</a:t>
+            </a:r>
+            <a:endParaRPr lang="en-US" altLang="ko-KR" dirty="0"/>
+          </a:p>
+          <a:p>
+            <a:pPr marL="971550" lvl="1" indent="-514350">
+              <a:buFont typeface="Arial" panose="020B0604020202020204" pitchFamily="34" charset="0"/>
+              <a:buAutoNum type="arabicPeriod"/>
+            </a:pPr>
+            <a:r>
               <a:rPr lang="en-US" altLang="ko-KR" dirty="0"/>
-              <a:t>https://en.wikipedia.org/wiki/CUDA#GPUs_supported</a:t>
+              <a:t>https://docs.nvidia.com/deeplearning/cudnn/backend/latest/reference/support-matrix.html</a:t>
             </a:r>
           </a:p>
           <a:p>
@@ -3527,7 +3543,7 @@
       <p:sp>
         <p:nvSpPr>
           <p:cNvPr id="4" name="실행 단추: 앞으로 또는 다음으로 이동 3">
-            <a:hlinkClick r:id="rId2" action="ppaction://hlinksldjump" highlightClick="1"/>
+            <a:hlinkClick r:id="rId3" action="ppaction://hlinksldjump" highlightClick="1"/>
             <a:extLst>
               <a:ext uri="{FF2B5EF4-FFF2-40B4-BE49-F238E27FC236}">
                 <a16:creationId xmlns:a16="http://schemas.microsoft.com/office/drawing/2014/main" id="{7A037F00-DE94-4A92-B01E-43D78674FB86}"/>
@@ -3574,7 +3590,7 @@
       <p:sp>
         <p:nvSpPr>
           <p:cNvPr id="5" name="실행 단추: 앞으로 또는 다음으로 이동 4">
-            <a:hlinkClick r:id="rId3" action="ppaction://hlinksldjump" highlightClick="1"/>
+            <a:hlinkClick r:id="rId4" action="ppaction://hlinksldjump" highlightClick="1"/>
             <a:extLst>
               <a:ext uri="{FF2B5EF4-FFF2-40B4-BE49-F238E27FC236}">
                 <a16:creationId xmlns:a16="http://schemas.microsoft.com/office/drawing/2014/main" id="{C1F5FED7-BE8A-4885-86DE-6993FCC8AC89}"/>
@@ -3586,7 +3602,7 @@
         </p:nvSpPr>
         <p:spPr>
           <a:xfrm>
-            <a:off x="9303392" y="3176252"/>
+            <a:off x="9311859" y="3051496"/>
             <a:ext cx="377504" cy="377504"/>
           </a:xfrm>
           <a:prstGeom prst="actionButtonForwardNext">
@@ -3621,7 +3637,7 @@
       <p:sp>
         <p:nvSpPr>
           <p:cNvPr id="6" name="실행 단추: 앞으로 또는 다음으로 이동 5">
-            <a:hlinkClick r:id="rId4" action="ppaction://hlinksldjump" highlightClick="1"/>
+            <a:hlinkClick r:id="rId5" action="ppaction://hlinksldjump" highlightClick="1"/>
             <a:extLst>
               <a:ext uri="{FF2B5EF4-FFF2-40B4-BE49-F238E27FC236}">
                 <a16:creationId xmlns:a16="http://schemas.microsoft.com/office/drawing/2014/main" id="{E2F4E74A-B2E7-406E-A812-499CAA1B26D0}"/>
@@ -3633,7 +3649,7 @@
         </p:nvSpPr>
         <p:spPr>
           <a:xfrm>
-            <a:off x="4127384" y="4795328"/>
+            <a:off x="4212051" y="5132216"/>
             <a:ext cx="377504" cy="377504"/>
           </a:xfrm>
           <a:prstGeom prst="actionButtonForwardNext">
@@ -3668,7 +3684,7 @@
       <p:sp>
         <p:nvSpPr>
           <p:cNvPr id="7" name="실행 단추: 앞으로 또는 다음으로 이동 6">
-            <a:hlinkClick r:id="rId5" action="ppaction://hlinksldjump" highlightClick="1"/>
+            <a:hlinkClick r:id="rId6" action="ppaction://hlinksldjump" highlightClick="1"/>
             <a:extLst>
               <a:ext uri="{FF2B5EF4-FFF2-40B4-BE49-F238E27FC236}">
                 <a16:creationId xmlns:a16="http://schemas.microsoft.com/office/drawing/2014/main" id="{0C857233-F118-4941-979A-944663D935BF}"/>
@@ -3680,7 +3696,54 @@
         </p:nvSpPr>
         <p:spPr>
           <a:xfrm>
-            <a:off x="3674379" y="5197999"/>
+            <a:off x="3732944" y="5516640"/>
+            <a:ext cx="377504" cy="377504"/>
+          </a:xfrm>
+          <a:prstGeom prst="actionButtonForwardNext">
+            <a:avLst/>
+          </a:prstGeom>
+        </p:spPr>
+        <p:style>
+          <a:lnRef idx="2">
+            <a:schemeClr val="accent1">
+              <a:shade val="50000"/>
+            </a:schemeClr>
+          </a:lnRef>
+          <a:fillRef idx="1">
+            <a:schemeClr val="accent1"/>
+          </a:fillRef>
+          <a:effectRef idx="0">
+            <a:schemeClr val="accent1"/>
+          </a:effectRef>
+          <a:fontRef idx="minor">
+            <a:schemeClr val="lt1"/>
+          </a:fontRef>
+        </p:style>
+        <p:txBody>
+          <a:bodyPr rtlCol="0" anchor="ctr"/>
+          <a:lstStyle/>
+          <a:p>
+            <a:pPr algn="ctr"/>
+            <a:endParaRPr lang="ko-KR" altLang="en-US"/>
+          </a:p>
+        </p:txBody>
+      </p:sp>
+      <p:sp>
+        <p:nvSpPr>
+          <p:cNvPr id="8" name="실행 단추: 앞으로 또는 다음으로 이동 7">
+            <a:hlinkClick r:id="rId7" action="ppaction://hlinksldjump" highlightClick="1"/>
+            <a:extLst>
+              <a:ext uri="{FF2B5EF4-FFF2-40B4-BE49-F238E27FC236}">
+                <a16:creationId xmlns:a16="http://schemas.microsoft.com/office/drawing/2014/main" id="{F40D3369-2937-4D67-99DC-9A2BF8A16468}"/>
+              </a:ext>
+            </a:extLst>
+          </p:cNvPr>
+          <p:cNvSpPr/>
+          <p:nvPr/>
+        </p:nvSpPr>
+        <p:spPr>
+          <a:xfrm>
+            <a:off x="5205526" y="3711896"/>
             <a:ext cx="377504" cy="377504"/>
           </a:xfrm>
           <a:prstGeom prst="actionButtonForwardNext">
@@ -4150,6 +4213,66 @@
 </file>
 
 <file path=ppt/slides/slide4.xml><?xml version="1.0" encoding="utf-8"?>
+<p:sld xmlns:a="http://schemas.openxmlformats.org/drawingml/2006/main" xmlns:r="http://schemas.openxmlformats.org/officeDocument/2006/relationships" xmlns:p="http://schemas.openxmlformats.org/presentationml/2006/main">
+  <p:cSld>
+    <p:spTree>
+      <p:nvGrpSpPr>
+        <p:cNvPr id="1" name=""/>
+        <p:cNvGrpSpPr/>
+        <p:nvPr/>
+      </p:nvGrpSpPr>
+      <p:grpSpPr>
+        <a:xfrm>
+          <a:off x="0" y="0"/>
+          <a:ext cx="0" cy="0"/>
+          <a:chOff x="0" y="0"/>
+          <a:chExt cx="0" cy="0"/>
+        </a:xfrm>
+      </p:grpSpPr>
+      <p:pic>
+        <p:nvPicPr>
+          <p:cNvPr id="4" name="그림 3">
+            <a:extLst>
+              <a:ext uri="{FF2B5EF4-FFF2-40B4-BE49-F238E27FC236}">
+                <a16:creationId xmlns:a16="http://schemas.microsoft.com/office/drawing/2014/main" id="{6A0ACE8A-2551-4278-8691-7B8453D99B59}"/>
+              </a:ext>
+            </a:extLst>
+          </p:cNvPr>
+          <p:cNvPicPr>
+            <a:picLocks noChangeAspect="1"/>
+          </p:cNvPicPr>
+          <p:nvPr/>
+        </p:nvPicPr>
+        <p:blipFill>
+          <a:blip r:embed="rId2"/>
+          <a:stretch>
+            <a:fillRect/>
+          </a:stretch>
+        </p:blipFill>
+        <p:spPr>
+          <a:xfrm>
+            <a:off x="2380731" y="1176023"/>
+            <a:ext cx="7430537" cy="4505954"/>
+          </a:xfrm>
+          <a:prstGeom prst="rect">
+            <a:avLst/>
+          </a:prstGeom>
+        </p:spPr>
+      </p:pic>
+    </p:spTree>
+    <p:extLst>
+      <p:ext uri="{BB962C8B-B14F-4D97-AF65-F5344CB8AC3E}">
+        <p14:creationId xmlns:p14="http://schemas.microsoft.com/office/powerpoint/2010/main" val="933979706"/>
+      </p:ext>
+    </p:extLst>
+  </p:cSld>
+  <p:clrMapOvr>
+    <a:masterClrMapping/>
+  </p:clrMapOvr>
+</p:sld>
+</file>
+
+<file path=ppt/slides/slide5.xml><?xml version="1.0" encoding="utf-8"?>
 <p:sld xmlns:a="http://schemas.openxmlformats.org/drawingml/2006/main" xmlns:r="http://schemas.openxmlformats.org/officeDocument/2006/relationships" xmlns:p="http://schemas.openxmlformats.org/presentationml/2006/main">
   <p:cSld>
     <p:spTree>
@@ -4232,7 +4355,7 @@
           </p:nvCxnSpPr>
           <p:spPr>
             <a:xfrm>
-              <a:off x="0" y="3280095"/>
+              <a:off x="0" y="3598467"/>
               <a:ext cx="10173269" cy="0"/>
             </a:xfrm>
             <a:prstGeom prst="line">
@@ -4273,7 +4396,7 @@
           </p:nvSpPr>
           <p:spPr>
             <a:xfrm>
-              <a:off x="6736238" y="2910763"/>
+              <a:off x="6736238" y="3229135"/>
               <a:ext cx="2769903" cy="325499"/>
             </a:xfrm>
             <a:prstGeom prst="rect">
@@ -4293,7 +4416,7 @@
               </a:r>
               <a:r>
                 <a:rPr lang="en-US" altLang="ko-KR" sz="1200" dirty="0"/>
-                <a:t> 2.11 </a:t>
+                <a:t> 2.10 </a:t>
               </a:r>
               <a:r>
                 <a:rPr lang="ko-KR" altLang="en-US" sz="1200" dirty="0"/>
@@ -4573,7 +4696,7 @@
 </p:sld>
 </file>
 
-<file path=ppt/slides/slide5.xml><?xml version="1.0" encoding="utf-8"?>
+<file path=ppt/slides/slide6.xml><?xml version="1.0" encoding="utf-8"?>
 <p:sld xmlns:a="http://schemas.openxmlformats.org/drawingml/2006/main" xmlns:r="http://schemas.openxmlformats.org/officeDocument/2006/relationships" xmlns:p="http://schemas.openxmlformats.org/presentationml/2006/main">
   <p:cSld>
     <p:spTree>
@@ -4604,8 +4727,8 @@
         </p:nvSpPr>
         <p:spPr>
           <a:xfrm>
-            <a:off x="1625866" y="1305341"/>
-            <a:ext cx="8940268" cy="4524315"/>
+            <a:off x="1625866" y="271776"/>
+            <a:ext cx="8940268" cy="5355312"/>
           </a:xfrm>
           <a:prstGeom prst="rect">
             <a:avLst/>
@@ -4939,7 +5062,7 @@
               <a:rPr lang="en-US" altLang="ko-KR" dirty="0">
                 <a:latin typeface="Arial Unicode MS"/>
               </a:rPr>
-              <a:t>=8.6.0</a:t>
+              <a:t>=8.8.0</a:t>
             </a:r>
           </a:p>
           <a:p>
@@ -4997,10 +5120,6 @@
                 <a:latin typeface="Arial Unicode MS"/>
               </a:rPr>
               <a:t>pip</a:t>
-            </a:r>
-            <a:r>
-              <a:rPr lang="ko-KR" altLang="ko-KR" sz="1400" dirty="0"/>
-              <a:t> </a:t>
             </a:r>
             <a:endParaRPr lang="en-US" altLang="ko-KR" dirty="0">
               <a:latin typeface="Arial Unicode MS"/>
@@ -5195,68 +5314,29 @@
               <a:buAutoNum type="arabicPeriod"/>
             </a:pPr>
             <a:r>
-              <a:rPr lang="ko-KR" altLang="ko-KR" dirty="0" err="1">
-                <a:latin typeface="Arial Unicode MS"/>
-              </a:rPr>
-              <a:t>python</a:t>
-            </a:r>
-            <a:r>
-              <a:rPr lang="ko-KR" altLang="ko-KR" dirty="0">
-                <a:latin typeface="Arial Unicode MS"/>
-              </a:rPr>
-              <a:t> -</a:t>
-            </a:r>
-            <a:r>
-              <a:rPr lang="ko-KR" altLang="ko-KR" dirty="0" err="1">
-                <a:latin typeface="Arial Unicode MS"/>
-              </a:rPr>
-              <a:t>m</a:t>
-            </a:r>
-            <a:r>
-              <a:rPr lang="ko-KR" altLang="ko-KR" dirty="0">
-                <a:latin typeface="Arial Unicode MS"/>
-              </a:rPr>
-              <a:t> </a:t>
-            </a:r>
-            <a:r>
-              <a:rPr lang="ko-KR" altLang="ko-KR" dirty="0" err="1">
-                <a:latin typeface="Arial Unicode MS"/>
-              </a:rPr>
-              <a:t>pip</a:t>
-            </a:r>
-            <a:r>
-              <a:rPr lang="ko-KR" altLang="ko-KR" dirty="0">
-                <a:latin typeface="Arial Unicode MS"/>
-              </a:rPr>
-              <a:t> </a:t>
-            </a:r>
-            <a:r>
-              <a:rPr lang="ko-KR" altLang="ko-KR" dirty="0" err="1">
-                <a:latin typeface="Arial Unicode MS"/>
-              </a:rPr>
-              <a:t>install</a:t>
-            </a:r>
-            <a:r>
-              <a:rPr lang="ko-KR" altLang="ko-KR" dirty="0">
-                <a:latin typeface="Arial Unicode MS"/>
-              </a:rPr>
-              <a:t> "</a:t>
-            </a:r>
-            <a:r>
-              <a:rPr lang="ko-KR" altLang="ko-KR" dirty="0" err="1">
+              <a:rPr lang="en-US" altLang="ko-KR" dirty="0" err="1">
+                <a:latin typeface="Arial Unicode MS"/>
+              </a:rPr>
+              <a:t>Conda</a:t>
+            </a:r>
+            <a:r>
+              <a:rPr lang="en-US" altLang="ko-KR" dirty="0">
+                <a:latin typeface="Arial Unicode MS"/>
+              </a:rPr>
+              <a:t> install </a:t>
+            </a:r>
+            <a:r>
+              <a:rPr lang="en-US" altLang="ko-KR" dirty="0" err="1">
                 <a:latin typeface="Arial Unicode MS"/>
               </a:rPr>
               <a:t>tensorflow</a:t>
             </a:r>
             <a:r>
-              <a:rPr lang="ko-KR" altLang="ko-KR" dirty="0">
-                <a:latin typeface="Arial Unicode MS"/>
-              </a:rPr>
-              <a:t>&lt;2.11" </a:t>
-            </a:r>
-            <a:endParaRPr lang="en-US" altLang="ko-KR" dirty="0">
-              <a:latin typeface="Arial Unicode MS"/>
-            </a:endParaRPr>
+              <a:rPr lang="en-US" altLang="ko-KR" dirty="0">
+                <a:latin typeface="Arial Unicode MS"/>
+              </a:rPr>
+              <a:t>=2.10.0</a:t>
+            </a:r>
           </a:p>
           <a:p>
             <a:pPr marL="800100" lvl="1" indent="-342900">
@@ -5264,43 +5344,26 @@
               <a:buAutoNum type="arabicPeriod"/>
             </a:pPr>
             <a:r>
-              <a:rPr lang="ko-KR" altLang="ko-KR" dirty="0" err="1">
-                <a:latin typeface="Arial Unicode MS"/>
-              </a:rPr>
-              <a:t>pip</a:t>
-            </a:r>
-            <a:r>
-              <a:rPr lang="ko-KR" altLang="ko-KR" dirty="0">
-                <a:latin typeface="Arial Unicode MS"/>
-                <a:ea typeface="var(--devsite-code-font-family)"/>
-              </a:rPr>
-              <a:t> </a:t>
-            </a:r>
-            <a:r>
-              <a:rPr lang="ko-KR" altLang="ko-KR" dirty="0" err="1">
-                <a:latin typeface="Arial Unicode MS"/>
-              </a:rPr>
-              <a:t>install</a:t>
-            </a:r>
-            <a:r>
-              <a:rPr lang="ko-KR" altLang="ko-KR" dirty="0">
-                <a:latin typeface="Arial Unicode MS"/>
-                <a:ea typeface="var(--devsite-code-font-family)"/>
-              </a:rPr>
-              <a:t> </a:t>
-            </a:r>
-            <a:r>
               <a:rPr lang="en-US" altLang="ko-KR" dirty="0" err="1">
                 <a:latin typeface="Arial Unicode MS"/>
               </a:rPr>
-              <a:t>numpy</a:t>
+              <a:t>Conda</a:t>
             </a:r>
             <a:r>
               <a:rPr lang="en-US" altLang="ko-KR" dirty="0">
                 <a:latin typeface="Arial Unicode MS"/>
               </a:rPr>
-              <a:t>&lt;2.0</a:t>
-            </a:r>
+              <a:t> install </a:t>
+            </a:r>
+            <a:r>
+              <a:rPr lang="en-US" altLang="ko-KR" dirty="0" err="1">
+                <a:latin typeface="Arial Unicode MS"/>
+              </a:rPr>
+              <a:t>ipykernel</a:t>
+            </a:r>
+            <a:endParaRPr lang="en-US" altLang="ko-KR" dirty="0">
+              <a:latin typeface="Arial Unicode MS"/>
+            </a:endParaRPr>
           </a:p>
           <a:p>
             <a:pPr marL="342900" indent="-342900">
@@ -5542,14 +5605,89 @@
               <a:rPr lang="en-US" altLang="ko-KR" dirty="0">
                 <a:latin typeface="Arial Unicode MS"/>
               </a:rPr>
-              <a:t>='GPU')]</a:t>
-            </a:r>
-            <a:r>
-              <a:rPr lang="ko-KR" altLang="ko-KR" dirty="0">
+              <a:t>='GPU’)]</a:t>
+            </a:r>
+          </a:p>
+          <a:p>
+            <a:pPr marL="800100" lvl="1" indent="-342900">
+              <a:buFontTx/>
+              <a:buAutoNum type="arabicPeriod"/>
+            </a:pPr>
+            <a:endParaRPr lang="en-US" altLang="ko-KR" dirty="0">
+              <a:latin typeface="Arial Unicode MS"/>
+            </a:endParaRPr>
+          </a:p>
+          <a:p>
+            <a:pPr marL="342900" indent="-342900">
+              <a:buFontTx/>
+              <a:buAutoNum type="arabicPeriod"/>
+            </a:pPr>
+            <a:r>
+              <a:rPr lang="en-US" altLang="ko-KR" dirty="0">
+                <a:latin typeface="Arial Unicode MS"/>
+              </a:rPr>
+              <a:t>Tip</a:t>
+            </a:r>
+            <a:r>
+              <a:rPr lang="ko-KR" altLang="en-US" dirty="0">
                 <a:latin typeface="Arial Unicode MS"/>
               </a:rPr>
               <a:t> </a:t>
             </a:r>
+            <a:r>
+              <a:rPr lang="en-US" altLang="ko-KR" dirty="0">
+                <a:latin typeface="Arial Unicode MS"/>
+              </a:rPr>
+              <a:t>:</a:t>
+            </a:r>
+            <a:r>
+              <a:rPr lang="ko-KR" altLang="en-US" dirty="0">
+                <a:latin typeface="Arial Unicode MS"/>
+              </a:rPr>
+              <a:t> 가용 버전 확인 코드</a:t>
+            </a:r>
+            <a:endParaRPr lang="en-US" altLang="ko-KR" dirty="0">
+              <a:latin typeface="Arial Unicode MS"/>
+            </a:endParaRPr>
+          </a:p>
+          <a:p>
+            <a:pPr marL="800100" lvl="1" indent="-342900">
+              <a:buFontTx/>
+              <a:buAutoNum type="arabicPeriod"/>
+            </a:pPr>
+            <a:r>
+              <a:rPr lang="en-US" altLang="ko-KR" dirty="0" err="1">
+                <a:latin typeface="Arial Unicode MS"/>
+              </a:rPr>
+              <a:t>conda</a:t>
+            </a:r>
+            <a:r>
+              <a:rPr lang="en-US" altLang="ko-KR" dirty="0">
+                <a:latin typeface="Arial Unicode MS"/>
+              </a:rPr>
+              <a:t> search </a:t>
+            </a:r>
+            <a:r>
+              <a:rPr lang="en-US" altLang="ko-KR" dirty="0" err="1">
+                <a:latin typeface="Arial Unicode MS"/>
+              </a:rPr>
+              <a:t>cudnn</a:t>
+            </a:r>
+            <a:r>
+              <a:rPr lang="en-US" altLang="ko-KR" dirty="0">
+                <a:latin typeface="Arial Unicode MS"/>
+              </a:rPr>
+              <a:t> -c </a:t>
+            </a:r>
+            <a:r>
+              <a:rPr lang="en-US" altLang="ko-KR" dirty="0" err="1">
+                <a:latin typeface="Arial Unicode MS"/>
+              </a:rPr>
+              <a:t>nvidia</a:t>
+            </a:r>
+            <a:endParaRPr lang="ko-KR" altLang="ko-KR" dirty="0">
+              <a:latin typeface="Arial Unicode MS"/>
+            </a:endParaRPr>
           </a:p>
         </p:txBody>
       </p:sp>
@@ -5566,7 +5704,7 @@
 </p:sld>
 </file>
 
-<file path=ppt/slides/slide6.xml><?xml version="1.0" encoding="utf-8"?>
+<file path=ppt/slides/slide7.xml><?xml version="1.0" encoding="utf-8"?>
 <p:sld xmlns:a="http://schemas.openxmlformats.org/drawingml/2006/main" xmlns:r="http://schemas.openxmlformats.org/officeDocument/2006/relationships" xmlns:p="http://schemas.openxmlformats.org/presentationml/2006/main">
   <p:cSld>
     <p:spTree>
@@ -5797,7 +5935,7 @@
               <a:rPr lang="en-US" altLang="ko-KR" dirty="0">
                 <a:latin typeface="Arial Unicode MS"/>
               </a:rPr>
-              <a:t>10</a:t>
+              <a:t>11.11</a:t>
             </a:r>
             <a:r>
               <a:rPr lang="ko-KR" altLang="ko-KR" sz="1400" dirty="0"/>
@@ -5966,7 +6104,7 @@
               <a:rPr lang="en-US" altLang="ko-KR" dirty="0">
                 <a:latin typeface="Arial Unicode MS"/>
               </a:rPr>
-              <a:t>=8.9.2.26(was 8.6.0) </a:t>
+              <a:t>=8.9.2.26</a:t>
             </a:r>
           </a:p>
           <a:p>
@@ -6365,6 +6503,100 @@
           </a:p>
         </p:txBody>
       </p:sp>
+      <p:sp>
+        <p:nvSpPr>
+          <p:cNvPr id="3" name="직사각형 2">
+            <a:extLst>
+              <a:ext uri="{FF2B5EF4-FFF2-40B4-BE49-F238E27FC236}">
+                <a16:creationId xmlns:a16="http://schemas.microsoft.com/office/drawing/2014/main" id="{C50A9842-6FCE-4F85-A55E-C5DC3699EA68}"/>
+              </a:ext>
+            </a:extLst>
+          </p:cNvPr>
+          <p:cNvSpPr/>
+          <p:nvPr/>
+        </p:nvSpPr>
+        <p:spPr>
+          <a:xfrm>
+            <a:off x="4749800" y="1625600"/>
+            <a:ext cx="3920067" cy="270933"/>
+          </a:xfrm>
+          <a:prstGeom prst="rect">
+            <a:avLst/>
+          </a:prstGeom>
+          <a:noFill/>
+          <a:ln>
+            <a:solidFill>
+              <a:srgbClr val="FF0000"/>
+            </a:solidFill>
+          </a:ln>
+        </p:spPr>
+        <p:style>
+          <a:lnRef idx="2">
+            <a:schemeClr val="accent1">
+              <a:shade val="50000"/>
+            </a:schemeClr>
+          </a:lnRef>
+          <a:fillRef idx="1">
+            <a:schemeClr val="accent1"/>
+          </a:fillRef>
+          <a:effectRef idx="0">
+            <a:schemeClr val="accent1"/>
+          </a:effectRef>
+          <a:fontRef idx="minor">
+            <a:schemeClr val="lt1"/>
+          </a:fontRef>
+        </p:style>
+        <p:txBody>
+          <a:bodyPr rtlCol="0" anchor="ctr"/>
+          <a:lstStyle/>
+          <a:p>
+            <a:pPr algn="ctr"/>
+            <a:endParaRPr lang="ko-KR" altLang="en-US"/>
+          </a:p>
+        </p:txBody>
+      </p:sp>
+      <p:cxnSp>
+        <p:nvCxnSpPr>
+          <p:cNvPr id="6" name="직선 화살표 연결선 5">
+            <a:extLst>
+              <a:ext uri="{FF2B5EF4-FFF2-40B4-BE49-F238E27FC236}">
+                <a16:creationId xmlns:a16="http://schemas.microsoft.com/office/drawing/2014/main" id="{6E8773D7-8A89-4E85-9A73-98DDEF343B34}"/>
+              </a:ext>
+            </a:extLst>
+          </p:cNvPr>
+          <p:cNvCxnSpPr/>
+          <p:nvPr/>
+        </p:nvCxnSpPr>
+        <p:spPr>
+          <a:xfrm>
+            <a:off x="7975600" y="1896533"/>
+            <a:ext cx="584200" cy="2650067"/>
+          </a:xfrm>
+          <a:prstGeom prst="straightConnector1">
+            <a:avLst/>
+          </a:prstGeom>
+          <a:ln>
+            <a:solidFill>
+              <a:srgbClr val="FF0000"/>
+            </a:solidFill>
+            <a:tailEnd type="triangle"/>
+          </a:ln>
+        </p:spPr>
+        <p:style>
+          <a:lnRef idx="1">
+            <a:schemeClr val="accent1"/>
+          </a:lnRef>
+          <a:fillRef idx="0">
+            <a:schemeClr val="accent1"/>
+          </a:fillRef>
+          <a:effectRef idx="0">
+            <a:schemeClr val="accent1"/>
+          </a:effectRef>
+          <a:fontRef idx="minor">
+            <a:schemeClr val="tx1"/>
+          </a:fontRef>
+        </p:style>
+      </p:cxnSp>
     </p:spTree>
     <p:extLst>
       <p:ext uri="{BB962C8B-B14F-4D97-AF65-F5344CB8AC3E}">
